--- a/2020/3月.pptx
+++ b/2020/3月.pptx
@@ -8,6 +8,9 @@
     <p:sldId id="257" r:id="rId2"/>
     <p:sldId id="258" r:id="rId3"/>
     <p:sldId id="259" r:id="rId4"/>
+    <p:sldId id="260" r:id="rId5"/>
+    <p:sldId id="261" r:id="rId6"/>
+    <p:sldId id="262" r:id="rId7"/>
   </p:sldIdLst>
   <p:sldSz cx="12192000" cy="6858000"/>
   <p:notesSz cx="6858000" cy="9144000"/>
@@ -290,7 +293,8 @@
           <a:p>
             <a:fld id="{856F4034-356D-4C0A-8FB7-D00759A9EB50}" type="datetimeFigureOut">
               <a:rPr lang="vi-VN" smtClean="0"/>
-              <a:t>03/01/2020</a:t>
+              <a:pPr/>
+              <a:t>08/03/2020</a:t>
             </a:fld>
             <a:endParaRPr lang="vi-VN"/>
           </a:p>
@@ -332,6 +336,7 @@
           <a:p>
             <a:fld id="{E6338525-46BF-4588-AA34-D51FCACC5706}" type="slidenum">
               <a:rPr lang="vi-VN" smtClean="0"/>
+              <a:pPr/>
               <a:t>‹#›</a:t>
             </a:fld>
             <a:endParaRPr lang="vi-VN"/>
@@ -341,7 +346,7 @@
     </p:spTree>
     <p:extLst>
       <p:ext uri="{BB962C8B-B14F-4D97-AF65-F5344CB8AC3E}">
-        <p14:creationId xmlns:p14="http://schemas.microsoft.com/office/powerpoint/2010/main" val="116208240"/>
+        <p14:creationId xmlns="" xmlns:p14="http://schemas.microsoft.com/office/powerpoint/2010/main" val="116208240"/>
       </p:ext>
     </p:extLst>
   </p:cSld>
@@ -460,7 +465,8 @@
           <a:p>
             <a:fld id="{856F4034-356D-4C0A-8FB7-D00759A9EB50}" type="datetimeFigureOut">
               <a:rPr lang="vi-VN" smtClean="0"/>
-              <a:t>03/01/2020</a:t>
+              <a:pPr/>
+              <a:t>08/03/2020</a:t>
             </a:fld>
             <a:endParaRPr lang="vi-VN"/>
           </a:p>
@@ -502,6 +508,7 @@
           <a:p>
             <a:fld id="{E6338525-46BF-4588-AA34-D51FCACC5706}" type="slidenum">
               <a:rPr lang="vi-VN" smtClean="0"/>
+              <a:pPr/>
               <a:t>‹#›</a:t>
             </a:fld>
             <a:endParaRPr lang="vi-VN"/>
@@ -511,7 +518,7 @@
     </p:spTree>
     <p:extLst>
       <p:ext uri="{BB962C8B-B14F-4D97-AF65-F5344CB8AC3E}">
-        <p14:creationId xmlns:p14="http://schemas.microsoft.com/office/powerpoint/2010/main" val="1969695029"/>
+        <p14:creationId xmlns="" xmlns:p14="http://schemas.microsoft.com/office/powerpoint/2010/main" val="1969695029"/>
       </p:ext>
     </p:extLst>
   </p:cSld>
@@ -640,7 +647,8 @@
           <a:p>
             <a:fld id="{856F4034-356D-4C0A-8FB7-D00759A9EB50}" type="datetimeFigureOut">
               <a:rPr lang="vi-VN" smtClean="0"/>
-              <a:t>03/01/2020</a:t>
+              <a:pPr/>
+              <a:t>08/03/2020</a:t>
             </a:fld>
             <a:endParaRPr lang="vi-VN"/>
           </a:p>
@@ -682,6 +690,7 @@
           <a:p>
             <a:fld id="{E6338525-46BF-4588-AA34-D51FCACC5706}" type="slidenum">
               <a:rPr lang="vi-VN" smtClean="0"/>
+              <a:pPr/>
               <a:t>‹#›</a:t>
             </a:fld>
             <a:endParaRPr lang="vi-VN"/>
@@ -691,7 +700,7 @@
     </p:spTree>
     <p:extLst>
       <p:ext uri="{BB962C8B-B14F-4D97-AF65-F5344CB8AC3E}">
-        <p14:creationId xmlns:p14="http://schemas.microsoft.com/office/powerpoint/2010/main" val="1866343716"/>
+        <p14:creationId xmlns="" xmlns:p14="http://schemas.microsoft.com/office/powerpoint/2010/main" val="1866343716"/>
       </p:ext>
     </p:extLst>
   </p:cSld>
@@ -810,7 +819,8 @@
           <a:p>
             <a:fld id="{856F4034-356D-4C0A-8FB7-D00759A9EB50}" type="datetimeFigureOut">
               <a:rPr lang="vi-VN" smtClean="0"/>
-              <a:t>03/01/2020</a:t>
+              <a:pPr/>
+              <a:t>08/03/2020</a:t>
             </a:fld>
             <a:endParaRPr lang="vi-VN"/>
           </a:p>
@@ -852,6 +862,7 @@
           <a:p>
             <a:fld id="{E6338525-46BF-4588-AA34-D51FCACC5706}" type="slidenum">
               <a:rPr lang="vi-VN" smtClean="0"/>
+              <a:pPr/>
               <a:t>‹#›</a:t>
             </a:fld>
             <a:endParaRPr lang="vi-VN"/>
@@ -861,7 +872,7 @@
     </p:spTree>
     <p:extLst>
       <p:ext uri="{BB962C8B-B14F-4D97-AF65-F5344CB8AC3E}">
-        <p14:creationId xmlns:p14="http://schemas.microsoft.com/office/powerpoint/2010/main" val="3587208902"/>
+        <p14:creationId xmlns="" xmlns:p14="http://schemas.microsoft.com/office/powerpoint/2010/main" val="3587208902"/>
       </p:ext>
     </p:extLst>
   </p:cSld>
@@ -1056,7 +1067,8 @@
           <a:p>
             <a:fld id="{856F4034-356D-4C0A-8FB7-D00759A9EB50}" type="datetimeFigureOut">
               <a:rPr lang="vi-VN" smtClean="0"/>
-              <a:t>03/01/2020</a:t>
+              <a:pPr/>
+              <a:t>08/03/2020</a:t>
             </a:fld>
             <a:endParaRPr lang="vi-VN"/>
           </a:p>
@@ -1098,6 +1110,7 @@
           <a:p>
             <a:fld id="{E6338525-46BF-4588-AA34-D51FCACC5706}" type="slidenum">
               <a:rPr lang="vi-VN" smtClean="0"/>
+              <a:pPr/>
               <a:t>‹#›</a:t>
             </a:fld>
             <a:endParaRPr lang="vi-VN"/>
@@ -1107,7 +1120,7 @@
     </p:spTree>
     <p:extLst>
       <p:ext uri="{BB962C8B-B14F-4D97-AF65-F5344CB8AC3E}">
-        <p14:creationId xmlns:p14="http://schemas.microsoft.com/office/powerpoint/2010/main" val="4013181850"/>
+        <p14:creationId xmlns="" xmlns:p14="http://schemas.microsoft.com/office/powerpoint/2010/main" val="4013181850"/>
       </p:ext>
     </p:extLst>
   </p:cSld>
@@ -1344,7 +1357,8 @@
           <a:p>
             <a:fld id="{856F4034-356D-4C0A-8FB7-D00759A9EB50}" type="datetimeFigureOut">
               <a:rPr lang="vi-VN" smtClean="0"/>
-              <a:t>03/01/2020</a:t>
+              <a:pPr/>
+              <a:t>08/03/2020</a:t>
             </a:fld>
             <a:endParaRPr lang="vi-VN"/>
           </a:p>
@@ -1386,6 +1400,7 @@
           <a:p>
             <a:fld id="{E6338525-46BF-4588-AA34-D51FCACC5706}" type="slidenum">
               <a:rPr lang="vi-VN" smtClean="0"/>
+              <a:pPr/>
               <a:t>‹#›</a:t>
             </a:fld>
             <a:endParaRPr lang="vi-VN"/>
@@ -1395,7 +1410,7 @@
     </p:spTree>
     <p:extLst>
       <p:ext uri="{BB962C8B-B14F-4D97-AF65-F5344CB8AC3E}">
-        <p14:creationId xmlns:p14="http://schemas.microsoft.com/office/powerpoint/2010/main" val="524668637"/>
+        <p14:creationId xmlns="" xmlns:p14="http://schemas.microsoft.com/office/powerpoint/2010/main" val="524668637"/>
       </p:ext>
     </p:extLst>
   </p:cSld>
@@ -1766,7 +1781,8 @@
           <a:p>
             <a:fld id="{856F4034-356D-4C0A-8FB7-D00759A9EB50}" type="datetimeFigureOut">
               <a:rPr lang="vi-VN" smtClean="0"/>
-              <a:t>03/01/2020</a:t>
+              <a:pPr/>
+              <a:t>08/03/2020</a:t>
             </a:fld>
             <a:endParaRPr lang="vi-VN"/>
           </a:p>
@@ -1808,6 +1824,7 @@
           <a:p>
             <a:fld id="{E6338525-46BF-4588-AA34-D51FCACC5706}" type="slidenum">
               <a:rPr lang="vi-VN" smtClean="0"/>
+              <a:pPr/>
               <a:t>‹#›</a:t>
             </a:fld>
             <a:endParaRPr lang="vi-VN"/>
@@ -1817,7 +1834,7 @@
     </p:spTree>
     <p:extLst>
       <p:ext uri="{BB962C8B-B14F-4D97-AF65-F5344CB8AC3E}">
-        <p14:creationId xmlns:p14="http://schemas.microsoft.com/office/powerpoint/2010/main" val="1115305373"/>
+        <p14:creationId xmlns="" xmlns:p14="http://schemas.microsoft.com/office/powerpoint/2010/main" val="1115305373"/>
       </p:ext>
     </p:extLst>
   </p:cSld>
@@ -1884,7 +1901,8 @@
           <a:p>
             <a:fld id="{856F4034-356D-4C0A-8FB7-D00759A9EB50}" type="datetimeFigureOut">
               <a:rPr lang="vi-VN" smtClean="0"/>
-              <a:t>03/01/2020</a:t>
+              <a:pPr/>
+              <a:t>08/03/2020</a:t>
             </a:fld>
             <a:endParaRPr lang="vi-VN"/>
           </a:p>
@@ -1926,6 +1944,7 @@
           <a:p>
             <a:fld id="{E6338525-46BF-4588-AA34-D51FCACC5706}" type="slidenum">
               <a:rPr lang="vi-VN" smtClean="0"/>
+              <a:pPr/>
               <a:t>‹#›</a:t>
             </a:fld>
             <a:endParaRPr lang="vi-VN"/>
@@ -1935,7 +1954,7 @@
     </p:spTree>
     <p:extLst>
       <p:ext uri="{BB962C8B-B14F-4D97-AF65-F5344CB8AC3E}">
-        <p14:creationId xmlns:p14="http://schemas.microsoft.com/office/powerpoint/2010/main" val="4097539027"/>
+        <p14:creationId xmlns="" xmlns:p14="http://schemas.microsoft.com/office/powerpoint/2010/main" val="4097539027"/>
       </p:ext>
     </p:extLst>
   </p:cSld>
@@ -1979,7 +1998,8 @@
           <a:p>
             <a:fld id="{856F4034-356D-4C0A-8FB7-D00759A9EB50}" type="datetimeFigureOut">
               <a:rPr lang="vi-VN" smtClean="0"/>
-              <a:t>03/01/2020</a:t>
+              <a:pPr/>
+              <a:t>08/03/2020</a:t>
             </a:fld>
             <a:endParaRPr lang="vi-VN"/>
           </a:p>
@@ -2021,6 +2041,7 @@
           <a:p>
             <a:fld id="{E6338525-46BF-4588-AA34-D51FCACC5706}" type="slidenum">
               <a:rPr lang="vi-VN" smtClean="0"/>
+              <a:pPr/>
               <a:t>‹#›</a:t>
             </a:fld>
             <a:endParaRPr lang="vi-VN"/>
@@ -2030,7 +2051,7 @@
     </p:spTree>
     <p:extLst>
       <p:ext uri="{BB962C8B-B14F-4D97-AF65-F5344CB8AC3E}">
-        <p14:creationId xmlns:p14="http://schemas.microsoft.com/office/powerpoint/2010/main" val="2697268947"/>
+        <p14:creationId xmlns="" xmlns:p14="http://schemas.microsoft.com/office/powerpoint/2010/main" val="2697268947"/>
       </p:ext>
     </p:extLst>
   </p:cSld>
@@ -2256,7 +2277,8 @@
           <a:p>
             <a:fld id="{856F4034-356D-4C0A-8FB7-D00759A9EB50}" type="datetimeFigureOut">
               <a:rPr lang="vi-VN" smtClean="0"/>
-              <a:t>03/01/2020</a:t>
+              <a:pPr/>
+              <a:t>08/03/2020</a:t>
             </a:fld>
             <a:endParaRPr lang="vi-VN"/>
           </a:p>
@@ -2298,6 +2320,7 @@
           <a:p>
             <a:fld id="{E6338525-46BF-4588-AA34-D51FCACC5706}" type="slidenum">
               <a:rPr lang="vi-VN" smtClean="0"/>
+              <a:pPr/>
               <a:t>‹#›</a:t>
             </a:fld>
             <a:endParaRPr lang="vi-VN"/>
@@ -2307,7 +2330,7 @@
     </p:spTree>
     <p:extLst>
       <p:ext uri="{BB962C8B-B14F-4D97-AF65-F5344CB8AC3E}">
-        <p14:creationId xmlns:p14="http://schemas.microsoft.com/office/powerpoint/2010/main" val="2550017712"/>
+        <p14:creationId xmlns="" xmlns:p14="http://schemas.microsoft.com/office/powerpoint/2010/main" val="2550017712"/>
       </p:ext>
     </p:extLst>
   </p:cSld>
@@ -2513,7 +2536,8 @@
           <a:p>
             <a:fld id="{856F4034-356D-4C0A-8FB7-D00759A9EB50}" type="datetimeFigureOut">
               <a:rPr lang="vi-VN" smtClean="0"/>
-              <a:t>03/01/2020</a:t>
+              <a:pPr/>
+              <a:t>08/03/2020</a:t>
             </a:fld>
             <a:endParaRPr lang="vi-VN"/>
           </a:p>
@@ -2555,6 +2579,7 @@
           <a:p>
             <a:fld id="{E6338525-46BF-4588-AA34-D51FCACC5706}" type="slidenum">
               <a:rPr lang="vi-VN" smtClean="0"/>
+              <a:pPr/>
               <a:t>‹#›</a:t>
             </a:fld>
             <a:endParaRPr lang="vi-VN"/>
@@ -2564,7 +2589,7 @@
     </p:spTree>
     <p:extLst>
       <p:ext uri="{BB962C8B-B14F-4D97-AF65-F5344CB8AC3E}">
-        <p14:creationId xmlns:p14="http://schemas.microsoft.com/office/powerpoint/2010/main" val="1562269695"/>
+        <p14:creationId xmlns="" xmlns:p14="http://schemas.microsoft.com/office/powerpoint/2010/main" val="1562269695"/>
       </p:ext>
     </p:extLst>
   </p:cSld>
@@ -2731,7 +2756,8 @@
           <a:p>
             <a:fld id="{856F4034-356D-4C0A-8FB7-D00759A9EB50}" type="datetimeFigureOut">
               <a:rPr lang="vi-VN" smtClean="0"/>
-              <a:t>03/01/2020</a:t>
+              <a:pPr/>
+              <a:t>08/03/2020</a:t>
             </a:fld>
             <a:endParaRPr lang="vi-VN"/>
           </a:p>
@@ -2809,6 +2835,7 @@
           <a:p>
             <a:fld id="{E6338525-46BF-4588-AA34-D51FCACC5706}" type="slidenum">
               <a:rPr lang="vi-VN" smtClean="0"/>
+              <a:pPr/>
               <a:t>‹#›</a:t>
             </a:fld>
             <a:endParaRPr lang="vi-VN"/>
@@ -2818,7 +2845,7 @@
     </p:spTree>
     <p:extLst>
       <p:ext uri="{BB962C8B-B14F-4D97-AF65-F5344CB8AC3E}">
-        <p14:creationId xmlns:p14="http://schemas.microsoft.com/office/powerpoint/2010/main" val="2445954362"/>
+        <p14:creationId xmlns="" xmlns:p14="http://schemas.microsoft.com/office/powerpoint/2010/main" val="2445954362"/>
       </p:ext>
     </p:extLst>
   </p:cSld>
@@ -3321,13 +3348,20 @@
     </p:spTree>
     <p:extLst>
       <p:ext uri="{BB962C8B-B14F-4D97-AF65-F5344CB8AC3E}">
-        <p14:creationId xmlns:p14="http://schemas.microsoft.com/office/powerpoint/2010/main" val="52291459"/>
+        <p14:creationId xmlns="" xmlns:p14="http://schemas.microsoft.com/office/powerpoint/2010/main" val="52291459"/>
       </p:ext>
     </p:extLst>
   </p:cSld>
   <p:clrMapOvr>
     <a:masterClrMapping/>
   </p:clrMapOvr>
+  <p:timing>
+    <p:tnLst>
+      <p:par>
+        <p:cTn id="1" dur="indefinite" restart="never" nodeType="tmRoot"/>
+      </p:par>
+    </p:tnLst>
+  </p:timing>
 </p:sld>
 </file>
 
@@ -3506,37 +3540,7 @@
                 <a:latin typeface="Microsoft JhengHei" panose="020B0604030504040204" pitchFamily="34" charset="-120"/>
                 <a:ea typeface="Microsoft JhengHei" panose="020B0604030504040204" pitchFamily="34" charset="-120"/>
               </a:rPr>
-              <a:t>就在這</a:t>
-            </a:r>
-            <a:r>
-              <a:rPr lang="zh-TW" altLang="en-US" sz="5400" b="1" dirty="0">
-                <a:solidFill>
-                  <a:srgbClr val="002060"/>
-                </a:solidFill>
-                <a:latin typeface="Microsoft JhengHei" panose="020B0604030504040204" pitchFamily="34" charset="-120"/>
-                <a:ea typeface="Microsoft JhengHei" panose="020B0604030504040204" pitchFamily="34" charset="-120"/>
-              </a:rPr>
-              <a:t>天  就在</a:t>
-            </a:r>
-            <a:r>
-              <a:rPr lang="zh-TW" altLang="en-US" sz="5400" b="1" dirty="0">
-                <a:solidFill>
-                  <a:srgbClr val="002060"/>
-                </a:solidFill>
-                <a:latin typeface="Microsoft JhengHei" panose="020B0604030504040204" pitchFamily="34" charset="-120"/>
-                <a:ea typeface="Microsoft JhengHei" panose="020B0604030504040204" pitchFamily="34" charset="-120"/>
-              </a:rPr>
-              <a:t>這</a:t>
-            </a:r>
-            <a:r>
-              <a:rPr lang="zh-TW" altLang="en-US" sz="5400" b="1" dirty="0">
-                <a:solidFill>
-                  <a:srgbClr val="002060"/>
-                </a:solidFill>
-                <a:latin typeface="Microsoft JhengHei" panose="020B0604030504040204" pitchFamily="34" charset="-120"/>
-                <a:ea typeface="Microsoft JhengHei" panose="020B0604030504040204" pitchFamily="34" charset="-120"/>
-              </a:rPr>
-              <a:t>天</a:t>
+              <a:t>就在這天  就在這天</a:t>
             </a:r>
             <a:endParaRPr lang="en-US" altLang="zh-TW" sz="5400" b="1" dirty="0">
               <a:solidFill>
@@ -3558,37 +3562,7 @@
                 <a:latin typeface="Microsoft JhengHei" panose="020B0604030504040204" pitchFamily="34" charset="-120"/>
                 <a:ea typeface="Microsoft JhengHei" panose="020B0604030504040204" pitchFamily="34" charset="-120"/>
               </a:rPr>
-              <a:t>我心中</a:t>
-            </a:r>
-            <a:r>
-              <a:rPr lang="zh-TW" altLang="en-US" sz="5400" b="1" dirty="0">
-                <a:solidFill>
-                  <a:srgbClr val="002060"/>
-                </a:solidFill>
-                <a:latin typeface="Microsoft JhengHei" panose="020B0604030504040204" pitchFamily="34" charset="-120"/>
-                <a:ea typeface="Microsoft JhengHei" panose="020B0604030504040204" pitchFamily="34" charset="-120"/>
-              </a:rPr>
-              <a:t>快</a:t>
-            </a:r>
-            <a:r>
-              <a:rPr lang="zh-TW" altLang="en-US" sz="5400" b="1" dirty="0">
-                <a:solidFill>
-                  <a:srgbClr val="002060"/>
-                </a:solidFill>
-                <a:latin typeface="Microsoft JhengHei" panose="020B0604030504040204" pitchFamily="34" charset="-120"/>
-                <a:ea typeface="Microsoft JhengHei" panose="020B0604030504040204" pitchFamily="34" charset="-120"/>
-              </a:rPr>
-              <a:t>慰  我心中</a:t>
-            </a:r>
-            <a:r>
-              <a:rPr lang="zh-TW" altLang="en-US" sz="5400" b="1" dirty="0">
-                <a:solidFill>
-                  <a:srgbClr val="002060"/>
-                </a:solidFill>
-                <a:latin typeface="Microsoft JhengHei" panose="020B0604030504040204" pitchFamily="34" charset="-120"/>
-                <a:ea typeface="Microsoft JhengHei" panose="020B0604030504040204" pitchFamily="34" charset="-120"/>
-              </a:rPr>
-              <a:t>快慰</a:t>
+              <a:t>我心中快慰  我心中快慰</a:t>
             </a:r>
             <a:endParaRPr lang="vi-VN" sz="5400" b="1" dirty="0">
               <a:solidFill>
@@ -3603,13 +3577,20 @@
     </p:spTree>
     <p:extLst>
       <p:ext uri="{BB962C8B-B14F-4D97-AF65-F5344CB8AC3E}">
-        <p14:creationId xmlns:p14="http://schemas.microsoft.com/office/powerpoint/2010/main" val="1201225380"/>
+        <p14:creationId xmlns="" xmlns:p14="http://schemas.microsoft.com/office/powerpoint/2010/main" val="1201225380"/>
       </p:ext>
     </p:extLst>
   </p:cSld>
   <p:clrMapOvr>
     <a:masterClrMapping/>
   </p:clrMapOvr>
+  <p:timing>
+    <p:tnLst>
+      <p:par>
+        <p:cTn id="1" dur="indefinite" restart="never" nodeType="tmRoot"/>
+      </p:par>
+    </p:tnLst>
+  </p:timing>
 </p:sld>
 </file>
 
@@ -3694,17 +3675,7 @@
                 <a:latin typeface="Microsoft JhengHei" panose="020B0604030504040204" pitchFamily="34" charset="-120"/>
                 <a:ea typeface="Microsoft JhengHei" panose="020B0604030504040204" pitchFamily="34" charset="-120"/>
               </a:rPr>
-              <a:t>今</a:t>
-            </a:r>
-            <a:r>
-              <a:rPr lang="zh-TW" altLang="en-US" sz="5400" b="1" dirty="0">
-                <a:solidFill>
-                  <a:srgbClr val="002060"/>
-                </a:solidFill>
-                <a:latin typeface="Microsoft JhengHei" panose="020B0604030504040204" pitchFamily="34" charset="-120"/>
-                <a:ea typeface="Microsoft JhengHei" panose="020B0604030504040204" pitchFamily="34" charset="-120"/>
-              </a:rPr>
-              <a:t>天  今天  感激主恩賜</a:t>
+              <a:t>今天  今天  感激主恩賜</a:t>
             </a:r>
             <a:endParaRPr lang="en-US" altLang="zh-TW" sz="5400" b="1" dirty="0">
               <a:solidFill>
@@ -3726,37 +3697,7 @@
                 <a:latin typeface="Microsoft JhengHei" panose="020B0604030504040204" pitchFamily="34" charset="-120"/>
                 <a:ea typeface="Microsoft JhengHei" panose="020B0604030504040204" pitchFamily="34" charset="-120"/>
               </a:rPr>
-              <a:t>一起分</a:t>
-            </a:r>
-            <a:r>
-              <a:rPr lang="zh-TW" altLang="en-US" sz="5400" b="1" dirty="0">
-                <a:solidFill>
-                  <a:srgbClr val="002060"/>
-                </a:solidFill>
-                <a:latin typeface="Microsoft JhengHei" panose="020B0604030504040204" pitchFamily="34" charset="-120"/>
-                <a:ea typeface="Microsoft JhengHei" panose="020B0604030504040204" pitchFamily="34" charset="-120"/>
-              </a:rPr>
-              <a:t>享</a:t>
-            </a:r>
-            <a:r>
-              <a:rPr lang="zh-TW" altLang="en-US" sz="5400" b="1" dirty="0">
-                <a:solidFill>
-                  <a:srgbClr val="002060"/>
-                </a:solidFill>
-                <a:latin typeface="Microsoft JhengHei" panose="020B0604030504040204" pitchFamily="34" charset="-120"/>
-                <a:ea typeface="Microsoft JhengHei" panose="020B0604030504040204" pitchFamily="34" charset="-120"/>
-              </a:rPr>
-              <a:t>當</a:t>
-            </a:r>
-            <a:r>
-              <a:rPr lang="zh-TW" altLang="en-US" sz="5400" b="1" dirty="0">
-                <a:solidFill>
-                  <a:srgbClr val="002060"/>
-                </a:solidFill>
-                <a:latin typeface="Microsoft JhengHei" panose="020B0604030504040204" pitchFamily="34" charset="-120"/>
-                <a:ea typeface="Microsoft JhengHei" panose="020B0604030504040204" pitchFamily="34" charset="-120"/>
-              </a:rPr>
-              <a:t>中的歡笑</a:t>
+              <a:t>一起分享當中的歡笑</a:t>
             </a:r>
             <a:endParaRPr lang="en-US" altLang="zh-TW" sz="5400" b="1" dirty="0">
               <a:solidFill>
@@ -3778,57 +3719,7 @@
                 <a:latin typeface="Microsoft JhengHei" panose="020B0604030504040204" pitchFamily="34" charset="-120"/>
                 <a:ea typeface="Microsoft JhengHei" panose="020B0604030504040204" pitchFamily="34" charset="-120"/>
               </a:rPr>
-              <a:t>就在這</a:t>
-            </a:r>
-            <a:r>
-              <a:rPr lang="zh-TW" altLang="en-US" sz="5400" b="1" dirty="0">
-                <a:solidFill>
-                  <a:srgbClr val="002060"/>
-                </a:solidFill>
-                <a:latin typeface="Microsoft JhengHei" panose="020B0604030504040204" pitchFamily="34" charset="-120"/>
-                <a:ea typeface="Microsoft JhengHei" panose="020B0604030504040204" pitchFamily="34" charset="-120"/>
-              </a:rPr>
-              <a:t>天</a:t>
-            </a:r>
-            <a:r>
-              <a:rPr lang="zh-TW" altLang="en-US" sz="5400" b="1" dirty="0">
-                <a:solidFill>
-                  <a:srgbClr val="002060"/>
-                </a:solidFill>
-                <a:latin typeface="Microsoft JhengHei" panose="020B0604030504040204" pitchFamily="34" charset="-120"/>
-                <a:ea typeface="Microsoft JhengHei" panose="020B0604030504040204" pitchFamily="34" charset="-120"/>
-              </a:rPr>
-              <a:t> </a:t>
-            </a:r>
-            <a:r>
-              <a:rPr lang="zh-TW" altLang="en-US" sz="5400" b="1" dirty="0">
-                <a:solidFill>
-                  <a:srgbClr val="002060"/>
-                </a:solidFill>
-                <a:latin typeface="Microsoft JhengHei" panose="020B0604030504040204" pitchFamily="34" charset="-120"/>
-                <a:ea typeface="Microsoft JhengHei" panose="020B0604030504040204" pitchFamily="34" charset="-120"/>
-              </a:rPr>
-              <a:t> 就</a:t>
-            </a:r>
-            <a:r>
-              <a:rPr lang="zh-TW" altLang="en-US" sz="5400" b="1" dirty="0">
-                <a:solidFill>
-                  <a:srgbClr val="002060"/>
-                </a:solidFill>
-                <a:latin typeface="Microsoft JhengHei" panose="020B0604030504040204" pitchFamily="34" charset="-120"/>
-                <a:ea typeface="Microsoft JhengHei" panose="020B0604030504040204" pitchFamily="34" charset="-120"/>
-              </a:rPr>
-              <a:t>在這</a:t>
-            </a:r>
-            <a:r>
-              <a:rPr lang="zh-TW" altLang="en-US" sz="5400" b="1" dirty="0">
-                <a:solidFill>
-                  <a:srgbClr val="002060"/>
-                </a:solidFill>
-                <a:latin typeface="Microsoft JhengHei" panose="020B0604030504040204" pitchFamily="34" charset="-120"/>
-                <a:ea typeface="Microsoft JhengHei" panose="020B0604030504040204" pitchFamily="34" charset="-120"/>
-              </a:rPr>
-              <a:t>天</a:t>
+              <a:t>就在這天  就在這天</a:t>
             </a:r>
             <a:endParaRPr lang="en-US" altLang="zh-TW" sz="5400" b="1" dirty="0">
               <a:solidFill>
@@ -3843,7 +3734,7 @@
               <a:buNone/>
             </a:pPr>
             <a:r>
-              <a:rPr lang="zh-TW" altLang="en-US" sz="5400" b="1" dirty="0">
+              <a:rPr lang="zh-TW" altLang="en-US" sz="5400" b="1" dirty="0" smtClean="0">
                 <a:solidFill>
                   <a:srgbClr val="002060"/>
                 </a:solidFill>
@@ -3853,14 +3744,34 @@
               <a:t>感</a:t>
             </a:r>
             <a:r>
-              <a:rPr lang="zh-TW" altLang="en-US" sz="5400" b="1" dirty="0">
+              <a:rPr lang="zh-CN" altLang="en-US" sz="5400" b="1" dirty="0" smtClean="0">
                 <a:solidFill>
                   <a:srgbClr val="002060"/>
                 </a:solidFill>
                 <a:latin typeface="Microsoft JhengHei" panose="020B0604030504040204" pitchFamily="34" charset="-120"/>
                 <a:ea typeface="Microsoft JhengHei" panose="020B0604030504040204" pitchFamily="34" charset="-120"/>
               </a:rPr>
-              <a:t>淚主恩賜</a:t>
+              <a:t>激</a:t>
+            </a:r>
+            <a:r>
+              <a:rPr lang="zh-TW" altLang="en-US" sz="5400" b="1" dirty="0" smtClean="0">
+                <a:solidFill>
+                  <a:srgbClr val="002060"/>
+                </a:solidFill>
+                <a:latin typeface="Microsoft JhengHei" panose="020B0604030504040204" pitchFamily="34" charset="-120"/>
+                <a:ea typeface="Microsoft JhengHei" panose="020B0604030504040204" pitchFamily="34" charset="-120"/>
+              </a:rPr>
+              <a:t>主</a:t>
+            </a:r>
+            <a:r>
+              <a:rPr lang="zh-TW" altLang="en-US" sz="5400" b="1" dirty="0">
+                <a:solidFill>
+                  <a:srgbClr val="002060"/>
+                </a:solidFill>
+                <a:latin typeface="Microsoft JhengHei" panose="020B0604030504040204" pitchFamily="34" charset="-120"/>
+                <a:ea typeface="Microsoft JhengHei" panose="020B0604030504040204" pitchFamily="34" charset="-120"/>
+              </a:rPr>
+              <a:t>恩賜</a:t>
             </a:r>
             <a:endParaRPr lang="vi-VN" sz="5400" b="1" dirty="0">
               <a:solidFill>
@@ -3875,13 +3786,792 @@
     </p:spTree>
     <p:extLst>
       <p:ext uri="{BB962C8B-B14F-4D97-AF65-F5344CB8AC3E}">
-        <p14:creationId xmlns:p14="http://schemas.microsoft.com/office/powerpoint/2010/main" val="2555835868"/>
+        <p14:creationId xmlns="" xmlns:p14="http://schemas.microsoft.com/office/powerpoint/2010/main" val="2555835868"/>
       </p:ext>
     </p:extLst>
   </p:cSld>
   <p:clrMapOvr>
     <a:masterClrMapping/>
   </p:clrMapOvr>
+  <p:timing>
+    <p:tnLst>
+      <p:par>
+        <p:cTn id="1" dur="indefinite" restart="never" nodeType="tmRoot"/>
+      </p:par>
+    </p:tnLst>
+  </p:timing>
+</p:sld>
+</file>
+
+<file path=ppt/slides/slide4.xml><?xml version="1.0" encoding="utf-8"?>
+<p:sld xmlns:a="http://schemas.openxmlformats.org/drawingml/2006/main" xmlns:r="http://schemas.openxmlformats.org/officeDocument/2006/relationships" xmlns:p="http://schemas.openxmlformats.org/presentationml/2006/main">
+  <p:cSld>
+    <p:spTree>
+      <p:nvGrpSpPr>
+        <p:cNvPr id="1" name=""/>
+        <p:cNvGrpSpPr/>
+        <p:nvPr/>
+      </p:nvGrpSpPr>
+      <p:grpSpPr>
+        <a:xfrm>
+          <a:off x="0" y="0"/>
+          <a:ext cx="0" cy="0"/>
+          <a:chOff x="0" y="0"/>
+          <a:chExt cx="0" cy="0"/>
+        </a:xfrm>
+      </p:grpSpPr>
+      <p:sp>
+        <p:nvSpPr>
+          <p:cNvPr id="43010" name="矩形 1"/>
+          <p:cNvSpPr>
+            <a:spLocks noChangeArrowheads="1"/>
+          </p:cNvSpPr>
+          <p:nvPr/>
+        </p:nvSpPr>
+        <p:spPr bwMode="auto">
+          <a:xfrm>
+            <a:off x="143339" y="1508787"/>
+            <a:ext cx="12042893" cy="4062647"/>
+          </a:xfrm>
+          <a:prstGeom prst="rect">
+            <a:avLst/>
+          </a:prstGeom>
+          <a:noFill/>
+          <a:ln w="9525">
+            <a:noFill/>
+            <a:miter lim="800000"/>
+            <a:headEnd/>
+            <a:tailEnd/>
+          </a:ln>
+        </p:spPr>
+        <p:txBody>
+          <a:bodyPr wrap="square" lIns="121917" tIns="60958" rIns="121917" bIns="60958">
+            <a:spAutoFit/>
+          </a:bodyPr>
+          <a:lstStyle/>
+          <a:p>
+            <a:r>
+              <a:rPr lang="zh-TW" altLang="zh-TW" sz="6400" b="1" dirty="0" smtClean="0">
+                <a:solidFill>
+                  <a:srgbClr val="FF0000"/>
+                </a:solidFill>
+                <a:latin typeface="標楷體" pitchFamily="65" charset="-120"/>
+                <a:ea typeface="標楷體" pitchFamily="65" charset="-120"/>
+              </a:rPr>
+              <a:t>主日學</a:t>
+            </a:r>
+            <a:r>
+              <a:rPr lang="en-US" altLang="zh-TW" sz="6400" b="1" dirty="0" smtClean="0">
+                <a:solidFill>
+                  <a:srgbClr val="FF0000"/>
+                </a:solidFill>
+                <a:latin typeface="標楷體" pitchFamily="65" charset="-120"/>
+                <a:ea typeface="標楷體" pitchFamily="65" charset="-120"/>
+              </a:rPr>
+              <a:t> </a:t>
+            </a:r>
+            <a:r>
+              <a:rPr lang="zh-TW" altLang="zh-TW" sz="6400" b="1" dirty="0" smtClean="0">
+                <a:solidFill>
+                  <a:srgbClr val="FF0000"/>
+                </a:solidFill>
+                <a:latin typeface="標楷體" pitchFamily="65" charset="-120"/>
+                <a:ea typeface="標楷體" pitchFamily="65" charset="-120"/>
+              </a:rPr>
+              <a:t>主日學</a:t>
+            </a:r>
+            <a:r>
+              <a:rPr lang="zh-TW" altLang="en-US" sz="6400" b="1" dirty="0">
+                <a:solidFill>
+                  <a:srgbClr val="FF0000"/>
+                </a:solidFill>
+                <a:latin typeface="標楷體" pitchFamily="65" charset="-120"/>
+                <a:ea typeface="標楷體" pitchFamily="65" charset="-120"/>
+              </a:rPr>
+              <a:t> </a:t>
+            </a:r>
+            <a:r>
+              <a:rPr lang="zh-TW" altLang="zh-TW" sz="6400" b="1" dirty="0" smtClean="0">
+                <a:solidFill>
+                  <a:srgbClr val="FF0000"/>
+                </a:solidFill>
+                <a:latin typeface="標楷體" pitchFamily="65" charset="-120"/>
+                <a:ea typeface="標楷體" pitchFamily="65" charset="-120"/>
+              </a:rPr>
+              <a:t>將</a:t>
+            </a:r>
+            <a:r>
+              <a:rPr lang="zh-TW" altLang="zh-TW" sz="6400" b="1" dirty="0">
+                <a:solidFill>
+                  <a:srgbClr val="FF0000"/>
+                </a:solidFill>
+                <a:latin typeface="標楷體" pitchFamily="65" charset="-120"/>
+                <a:ea typeface="標楷體" pitchFamily="65" charset="-120"/>
+              </a:rPr>
+              <a:t>聖經教導</a:t>
+            </a:r>
+            <a:r>
+              <a:rPr lang="zh-TW" altLang="zh-TW" sz="6400" b="1" dirty="0" smtClean="0">
+                <a:solidFill>
+                  <a:srgbClr val="FF0000"/>
+                </a:solidFill>
+                <a:latin typeface="標楷體" pitchFamily="65" charset="-120"/>
+                <a:ea typeface="標楷體" pitchFamily="65" charset="-120"/>
+              </a:rPr>
+              <a:t>人</a:t>
+            </a:r>
+            <a:r>
+              <a:rPr lang="en-US" altLang="zh-TW" sz="6400" b="1" dirty="0" smtClean="0">
+                <a:solidFill>
+                  <a:srgbClr val="FF0000"/>
+                </a:solidFill>
+                <a:latin typeface="標楷體" pitchFamily="65" charset="-120"/>
+                <a:ea typeface="標楷體" pitchFamily="65" charset="-120"/>
+              </a:rPr>
+              <a:t> </a:t>
+            </a:r>
+          </a:p>
+          <a:p>
+            <a:r>
+              <a:rPr lang="zh-TW" altLang="zh-TW" sz="6400" b="1" dirty="0" smtClean="0">
+                <a:solidFill>
+                  <a:srgbClr val="FF0000"/>
+                </a:solidFill>
+                <a:latin typeface="標楷體" pitchFamily="65" charset="-120"/>
+                <a:ea typeface="標楷體" pitchFamily="65" charset="-120"/>
+              </a:rPr>
+              <a:t>老年人</a:t>
+            </a:r>
+            <a:r>
+              <a:rPr lang="en-US" altLang="zh-TW" sz="6400" b="1" dirty="0" smtClean="0">
+                <a:solidFill>
+                  <a:srgbClr val="FF0000"/>
+                </a:solidFill>
+                <a:latin typeface="標楷體" pitchFamily="65" charset="-120"/>
+                <a:ea typeface="標楷體" pitchFamily="65" charset="-120"/>
+              </a:rPr>
+              <a:t> </a:t>
+            </a:r>
+            <a:r>
+              <a:rPr lang="zh-TW" altLang="zh-TW" sz="6400" b="1" dirty="0" smtClean="0">
+                <a:solidFill>
+                  <a:srgbClr val="FF0000"/>
+                </a:solidFill>
+                <a:latin typeface="標楷體" pitchFamily="65" charset="-120"/>
+                <a:ea typeface="標楷體" pitchFamily="65" charset="-120"/>
+              </a:rPr>
+              <a:t>少年人</a:t>
+            </a:r>
+            <a:r>
+              <a:rPr lang="en-US" altLang="zh-TW" sz="6400" b="1" dirty="0" smtClean="0">
+                <a:solidFill>
+                  <a:srgbClr val="FF0000"/>
+                </a:solidFill>
+                <a:latin typeface="標楷體" pitchFamily="65" charset="-120"/>
+                <a:ea typeface="標楷體" pitchFamily="65" charset="-120"/>
+              </a:rPr>
+              <a:t> </a:t>
+            </a:r>
+            <a:r>
+              <a:rPr lang="zh-TW" altLang="zh-TW" sz="6400" b="1" dirty="0" smtClean="0">
+                <a:solidFill>
+                  <a:srgbClr val="FF0000"/>
+                </a:solidFill>
+                <a:latin typeface="標楷體" pitchFamily="65" charset="-120"/>
+                <a:ea typeface="標楷體" pitchFamily="65" charset="-120"/>
+              </a:rPr>
+              <a:t>來</a:t>
+            </a:r>
+            <a:r>
+              <a:rPr lang="zh-TW" altLang="zh-TW" sz="6400" b="1" dirty="0">
+                <a:solidFill>
+                  <a:srgbClr val="FF0000"/>
+                </a:solidFill>
+                <a:latin typeface="標楷體" pitchFamily="65" charset="-120"/>
+                <a:ea typeface="標楷體" pitchFamily="65" charset="-120"/>
+              </a:rPr>
+              <a:t>與真理</a:t>
+            </a:r>
+            <a:r>
+              <a:rPr lang="zh-TW" altLang="zh-TW" sz="6400" b="1" dirty="0" smtClean="0">
+                <a:solidFill>
+                  <a:srgbClr val="FF0000"/>
+                </a:solidFill>
+                <a:latin typeface="標楷體" pitchFamily="65" charset="-120"/>
+                <a:ea typeface="標楷體" pitchFamily="65" charset="-120"/>
+              </a:rPr>
+              <a:t>親近</a:t>
+            </a:r>
+            <a:endParaRPr lang="en-US" altLang="zh-TW" sz="6400" b="1" dirty="0">
+              <a:solidFill>
+                <a:srgbClr val="FF0000"/>
+              </a:solidFill>
+              <a:latin typeface="標楷體" pitchFamily="65" charset="-120"/>
+              <a:ea typeface="標楷體" pitchFamily="65" charset="-120"/>
+            </a:endParaRPr>
+          </a:p>
+          <a:p>
+            <a:r>
+              <a:rPr lang="zh-TW" altLang="zh-TW" sz="6400" b="1" dirty="0" smtClean="0">
+                <a:solidFill>
+                  <a:srgbClr val="FF0000"/>
+                </a:solidFill>
+                <a:latin typeface="標楷體" pitchFamily="65" charset="-120"/>
+                <a:ea typeface="標楷體" pitchFamily="65" charset="-120"/>
+              </a:rPr>
+              <a:t>兄</a:t>
+            </a:r>
+            <a:r>
+              <a:rPr lang="zh-TW" altLang="zh-TW" sz="6400" b="1" dirty="0">
+                <a:solidFill>
+                  <a:srgbClr val="FF0000"/>
+                </a:solidFill>
+                <a:latin typeface="標楷體" pitchFamily="65" charset="-120"/>
+                <a:ea typeface="標楷體" pitchFamily="65" charset="-120"/>
+              </a:rPr>
+              <a:t>弟妹相關</a:t>
+            </a:r>
+            <a:r>
+              <a:rPr lang="zh-TW" altLang="zh-TW" sz="6400" b="1" dirty="0" smtClean="0">
+                <a:solidFill>
+                  <a:srgbClr val="FF0000"/>
+                </a:solidFill>
+                <a:latin typeface="標楷體" pitchFamily="65" charset="-120"/>
+                <a:ea typeface="標楷體" pitchFamily="65" charset="-120"/>
+              </a:rPr>
+              <a:t>心</a:t>
+            </a:r>
+            <a:r>
+              <a:rPr lang="en-US" altLang="zh-TW" sz="6400" b="1" dirty="0" smtClean="0">
+                <a:solidFill>
+                  <a:srgbClr val="FF0000"/>
+                </a:solidFill>
+                <a:latin typeface="標楷體" pitchFamily="65" charset="-120"/>
+                <a:ea typeface="標楷體" pitchFamily="65" charset="-120"/>
+              </a:rPr>
+              <a:t> </a:t>
+            </a:r>
+            <a:r>
+              <a:rPr lang="zh-TW" altLang="zh-TW" sz="6400" b="1" dirty="0" smtClean="0">
+                <a:solidFill>
+                  <a:srgbClr val="FF0000"/>
+                </a:solidFill>
+                <a:latin typeface="標楷體" pitchFamily="65" charset="-120"/>
+                <a:ea typeface="標楷體" pitchFamily="65" charset="-120"/>
+              </a:rPr>
+              <a:t>齊</a:t>
+            </a:r>
+            <a:r>
+              <a:rPr lang="zh-TW" altLang="zh-TW" sz="6400" b="1" dirty="0">
+                <a:solidFill>
+                  <a:srgbClr val="FF0000"/>
+                </a:solidFill>
+                <a:latin typeface="標楷體" pitchFamily="65" charset="-120"/>
+                <a:ea typeface="標楷體" pitchFamily="65" charset="-120"/>
+              </a:rPr>
+              <a:t>勉勵見</a:t>
+            </a:r>
+            <a:r>
+              <a:rPr lang="zh-TW" altLang="zh-TW" sz="6400" b="1" dirty="0" smtClean="0">
+                <a:solidFill>
+                  <a:srgbClr val="FF0000"/>
+                </a:solidFill>
+                <a:latin typeface="標楷體" pitchFamily="65" charset="-120"/>
+                <a:ea typeface="標楷體" pitchFamily="65" charset="-120"/>
+              </a:rPr>
+              <a:t>真心</a:t>
+            </a:r>
+            <a:endParaRPr lang="en-US" altLang="zh-TW" sz="6400" b="1" dirty="0" smtClean="0">
+              <a:solidFill>
+                <a:srgbClr val="FF0000"/>
+              </a:solidFill>
+              <a:latin typeface="標楷體" pitchFamily="65" charset="-120"/>
+              <a:ea typeface="標楷體" pitchFamily="65" charset="-120"/>
+            </a:endParaRPr>
+          </a:p>
+          <a:p>
+            <a:r>
+              <a:rPr lang="zh-TW" altLang="zh-TW" sz="6400" b="1" dirty="0" smtClean="0">
+                <a:solidFill>
+                  <a:srgbClr val="FF0000"/>
+                </a:solidFill>
+                <a:latin typeface="標楷體" pitchFamily="65" charset="-120"/>
+                <a:ea typeface="標楷體" pitchFamily="65" charset="-120"/>
+              </a:rPr>
+              <a:t>一起</a:t>
+            </a:r>
+            <a:r>
+              <a:rPr lang="zh-TW" altLang="zh-TW" sz="6400" b="1" dirty="0">
+                <a:solidFill>
+                  <a:srgbClr val="FF0000"/>
+                </a:solidFill>
+                <a:latin typeface="標楷體" pitchFamily="65" charset="-120"/>
+                <a:ea typeface="標楷體" pitchFamily="65" charset="-120"/>
+              </a:rPr>
+              <a:t>哼出歡樂</a:t>
+            </a:r>
+            <a:r>
+              <a:rPr lang="zh-TW" altLang="zh-TW" sz="6400" b="1" dirty="0" smtClean="0">
+                <a:solidFill>
+                  <a:srgbClr val="FF0000"/>
+                </a:solidFill>
+                <a:latin typeface="標楷體" pitchFamily="65" charset="-120"/>
+                <a:ea typeface="標楷體" pitchFamily="65" charset="-120"/>
+              </a:rPr>
+              <a:t>音韻</a:t>
+            </a:r>
+            <a:endParaRPr lang="zh-TW" altLang="en-US" sz="6400" b="1" dirty="0">
+              <a:solidFill>
+                <a:srgbClr val="FF0000"/>
+              </a:solidFill>
+              <a:latin typeface="標楷體" pitchFamily="65" charset="-120"/>
+              <a:ea typeface="標楷體" pitchFamily="65" charset="-120"/>
+            </a:endParaRPr>
+          </a:p>
+        </p:txBody>
+      </p:sp>
+      <p:sp>
+        <p:nvSpPr>
+          <p:cNvPr id="43011" name="矩形 2"/>
+          <p:cNvSpPr>
+            <a:spLocks noChangeArrowheads="1"/>
+          </p:cNvSpPr>
+          <p:nvPr/>
+        </p:nvSpPr>
+        <p:spPr bwMode="auto">
+          <a:xfrm>
+            <a:off x="-5768" y="164638"/>
+            <a:ext cx="12192000" cy="1025921"/>
+          </a:xfrm>
+          <a:prstGeom prst="rect">
+            <a:avLst/>
+          </a:prstGeom>
+          <a:noFill/>
+          <a:ln w="9525">
+            <a:noFill/>
+            <a:miter lim="800000"/>
+            <a:headEnd/>
+            <a:tailEnd/>
+          </a:ln>
+        </p:spPr>
+        <p:txBody>
+          <a:bodyPr wrap="square" lIns="121917" tIns="60958" rIns="121917" bIns="60958">
+            <a:spAutoFit/>
+          </a:bodyPr>
+          <a:lstStyle/>
+          <a:p>
+            <a:pPr algn="ctr"/>
+            <a:r>
+              <a:rPr lang="zh-TW" altLang="zh-TW" sz="5900" b="1" dirty="0" smtClean="0">
+                <a:solidFill>
+                  <a:srgbClr val="FF0000"/>
+                </a:solidFill>
+                <a:latin typeface="標楷體" pitchFamily="65" charset="-120"/>
+                <a:ea typeface="標楷體" pitchFamily="65" charset="-120"/>
+              </a:rPr>
+              <a:t>主日學</a:t>
+            </a:r>
+            <a:endParaRPr lang="zh-TW" altLang="en-US" sz="5900" b="1" dirty="0">
+              <a:solidFill>
+                <a:srgbClr val="FF0000"/>
+              </a:solidFill>
+              <a:latin typeface="標楷體" pitchFamily="65" charset="-120"/>
+              <a:ea typeface="標楷體" pitchFamily="65" charset="-120"/>
+            </a:endParaRPr>
+          </a:p>
+        </p:txBody>
+      </p:sp>
+    </p:spTree>
+  </p:cSld>
+  <p:clrMapOvr>
+    <a:masterClrMapping/>
+  </p:clrMapOvr>
+  <p:transition/>
+  <p:timing>
+    <p:tnLst>
+      <p:par>
+        <p:cTn id="1" dur="indefinite" restart="never" nodeType="tmRoot"/>
+      </p:par>
+    </p:tnLst>
+  </p:timing>
+</p:sld>
+</file>
+
+<file path=ppt/slides/slide5.xml><?xml version="1.0" encoding="utf-8"?>
+<p:sld xmlns:a="http://schemas.openxmlformats.org/drawingml/2006/main" xmlns:r="http://schemas.openxmlformats.org/officeDocument/2006/relationships" xmlns:p="http://schemas.openxmlformats.org/presentationml/2006/main">
+  <p:cSld>
+    <p:spTree>
+      <p:nvGrpSpPr>
+        <p:cNvPr id="1" name=""/>
+        <p:cNvGrpSpPr/>
+        <p:nvPr/>
+      </p:nvGrpSpPr>
+      <p:grpSpPr>
+        <a:xfrm>
+          <a:off x="0" y="0"/>
+          <a:ext cx="0" cy="0"/>
+          <a:chOff x="0" y="0"/>
+          <a:chExt cx="0" cy="0"/>
+        </a:xfrm>
+      </p:grpSpPr>
+      <p:sp>
+        <p:nvSpPr>
+          <p:cNvPr id="43010" name="矩形 1"/>
+          <p:cNvSpPr>
+            <a:spLocks noChangeArrowheads="1"/>
+          </p:cNvSpPr>
+          <p:nvPr/>
+        </p:nvSpPr>
+        <p:spPr bwMode="auto">
+          <a:xfrm>
+            <a:off x="0" y="1508787"/>
+            <a:ext cx="12186232" cy="3077762"/>
+          </a:xfrm>
+          <a:prstGeom prst="rect">
+            <a:avLst/>
+          </a:prstGeom>
+          <a:noFill/>
+          <a:ln w="9525">
+            <a:noFill/>
+            <a:miter lim="800000"/>
+            <a:headEnd/>
+            <a:tailEnd/>
+          </a:ln>
+        </p:spPr>
+        <p:txBody>
+          <a:bodyPr wrap="square" lIns="121917" tIns="60958" rIns="121917" bIns="60958">
+            <a:spAutoFit/>
+          </a:bodyPr>
+          <a:lstStyle/>
+          <a:p>
+            <a:pPr algn="ctr"/>
+            <a:r>
+              <a:rPr lang="zh-TW" altLang="en-US" sz="6400" b="1" dirty="0">
+                <a:solidFill>
+                  <a:srgbClr val="FF0000"/>
+                </a:solidFill>
+                <a:latin typeface="標楷體" pitchFamily="65" charset="-120"/>
+                <a:ea typeface="標楷體" pitchFamily="65" charset="-120"/>
+              </a:rPr>
+              <a:t>願</a:t>
+            </a:r>
+            <a:r>
+              <a:rPr lang="zh-TW" altLang="en-US" sz="6400" b="1" dirty="0" smtClean="0">
+                <a:solidFill>
+                  <a:srgbClr val="FF0000"/>
+                </a:solidFill>
+                <a:latin typeface="標楷體" pitchFamily="65" charset="-120"/>
+                <a:ea typeface="標楷體" pitchFamily="65" charset="-120"/>
+              </a:rPr>
+              <a:t>意 願意 願意 願</a:t>
+            </a:r>
+            <a:r>
+              <a:rPr lang="zh-TW" altLang="en-US" sz="6400" b="1" dirty="0">
+                <a:solidFill>
+                  <a:srgbClr val="FF0000"/>
+                </a:solidFill>
+                <a:latin typeface="標楷體" pitchFamily="65" charset="-120"/>
+                <a:ea typeface="標楷體" pitchFamily="65" charset="-120"/>
+              </a:rPr>
+              <a:t>意</a:t>
+            </a:r>
+          </a:p>
+          <a:p>
+            <a:pPr algn="ctr"/>
+            <a:r>
+              <a:rPr lang="zh-TW" altLang="en-US" sz="6400" b="1" dirty="0">
+                <a:solidFill>
+                  <a:srgbClr val="FF0000"/>
+                </a:solidFill>
+                <a:latin typeface="標楷體" pitchFamily="65" charset="-120"/>
+                <a:ea typeface="標楷體" pitchFamily="65" charset="-120"/>
+              </a:rPr>
+              <a:t>聽祂愛的教訓</a:t>
+            </a:r>
+          </a:p>
+          <a:p>
+            <a:pPr algn="ctr"/>
+            <a:r>
+              <a:rPr lang="zh-TW" altLang="en-US" sz="6400" b="1" dirty="0">
+                <a:solidFill>
+                  <a:srgbClr val="FF0000"/>
+                </a:solidFill>
+                <a:latin typeface="標楷體" pitchFamily="65" charset="-120"/>
+                <a:ea typeface="標楷體" pitchFamily="65" charset="-120"/>
+              </a:rPr>
+              <a:t>硏究聖經不了解最緊要去問</a:t>
+            </a:r>
+          </a:p>
+        </p:txBody>
+      </p:sp>
+      <p:sp>
+        <p:nvSpPr>
+          <p:cNvPr id="43011" name="矩形 2"/>
+          <p:cNvSpPr>
+            <a:spLocks noChangeArrowheads="1"/>
+          </p:cNvSpPr>
+          <p:nvPr/>
+        </p:nvSpPr>
+        <p:spPr bwMode="auto">
+          <a:xfrm>
+            <a:off x="-5768" y="164638"/>
+            <a:ext cx="12192000" cy="1025921"/>
+          </a:xfrm>
+          <a:prstGeom prst="rect">
+            <a:avLst/>
+          </a:prstGeom>
+          <a:noFill/>
+          <a:ln w="9525">
+            <a:noFill/>
+            <a:miter lim="800000"/>
+            <a:headEnd/>
+            <a:tailEnd/>
+          </a:ln>
+        </p:spPr>
+        <p:txBody>
+          <a:bodyPr wrap="square" lIns="121917" tIns="60958" rIns="121917" bIns="60958">
+            <a:spAutoFit/>
+          </a:bodyPr>
+          <a:lstStyle/>
+          <a:p>
+            <a:pPr algn="ctr"/>
+            <a:r>
+              <a:rPr lang="zh-TW" altLang="zh-TW" sz="5900" b="1" dirty="0" smtClean="0">
+                <a:solidFill>
+                  <a:srgbClr val="FF0000"/>
+                </a:solidFill>
+                <a:latin typeface="標楷體" pitchFamily="65" charset="-120"/>
+                <a:ea typeface="標楷體" pitchFamily="65" charset="-120"/>
+              </a:rPr>
+              <a:t>主日學</a:t>
+            </a:r>
+            <a:endParaRPr lang="zh-TW" altLang="en-US" sz="5900" b="1" dirty="0">
+              <a:solidFill>
+                <a:srgbClr val="FF0000"/>
+              </a:solidFill>
+              <a:latin typeface="標楷體" pitchFamily="65" charset="-120"/>
+              <a:ea typeface="標楷體" pitchFamily="65" charset="-120"/>
+            </a:endParaRPr>
+          </a:p>
+        </p:txBody>
+      </p:sp>
+    </p:spTree>
+    <p:extLst>
+      <p:ext uri="{BB962C8B-B14F-4D97-AF65-F5344CB8AC3E}">
+        <p14:creationId xmlns="" xmlns:p14="http://schemas.microsoft.com/office/powerpoint/2010/main" val="2696121007"/>
+      </p:ext>
+    </p:extLst>
+  </p:cSld>
+  <p:clrMapOvr>
+    <a:masterClrMapping/>
+  </p:clrMapOvr>
+  <p:transition/>
+  <p:timing>
+    <p:tnLst>
+      <p:par>
+        <p:cTn id="1" dur="indefinite" restart="never" nodeType="tmRoot"/>
+      </p:par>
+    </p:tnLst>
+  </p:timing>
+</p:sld>
+</file>
+
+<file path=ppt/slides/slide6.xml><?xml version="1.0" encoding="utf-8"?>
+<p:sld xmlns:a="http://schemas.openxmlformats.org/drawingml/2006/main" xmlns:r="http://schemas.openxmlformats.org/officeDocument/2006/relationships" xmlns:p="http://schemas.openxmlformats.org/presentationml/2006/main">
+  <p:cSld>
+    <p:spTree>
+      <p:nvGrpSpPr>
+        <p:cNvPr id="1" name=""/>
+        <p:cNvGrpSpPr/>
+        <p:nvPr/>
+      </p:nvGrpSpPr>
+      <p:grpSpPr>
+        <a:xfrm>
+          <a:off x="0" y="0"/>
+          <a:ext cx="0" cy="0"/>
+          <a:chOff x="0" y="0"/>
+          <a:chExt cx="0" cy="0"/>
+        </a:xfrm>
+      </p:grpSpPr>
+      <p:sp>
+        <p:nvSpPr>
+          <p:cNvPr id="43010" name="矩形 1"/>
+          <p:cNvSpPr>
+            <a:spLocks noChangeArrowheads="1"/>
+          </p:cNvSpPr>
+          <p:nvPr/>
+        </p:nvSpPr>
+        <p:spPr bwMode="auto">
+          <a:xfrm>
+            <a:off x="-5768" y="1508787"/>
+            <a:ext cx="12192000" cy="3077762"/>
+          </a:xfrm>
+          <a:prstGeom prst="rect">
+            <a:avLst/>
+          </a:prstGeom>
+          <a:noFill/>
+          <a:ln w="9525">
+            <a:noFill/>
+            <a:miter lim="800000"/>
+            <a:headEnd/>
+            <a:tailEnd/>
+          </a:ln>
+        </p:spPr>
+        <p:txBody>
+          <a:bodyPr wrap="square" lIns="121917" tIns="60958" rIns="121917" bIns="60958">
+            <a:spAutoFit/>
+          </a:bodyPr>
+          <a:lstStyle/>
+          <a:p>
+            <a:pPr algn="ctr"/>
+            <a:r>
+              <a:rPr lang="zh-TW" altLang="en-US" sz="6400" b="1" dirty="0">
+                <a:solidFill>
+                  <a:srgbClr val="FF0000"/>
+                </a:solidFill>
+                <a:latin typeface="標楷體" pitchFamily="65" charset="-120"/>
+                <a:ea typeface="標楷體" pitchFamily="65" charset="-120"/>
+              </a:rPr>
+              <a:t>做</a:t>
+            </a:r>
+            <a:r>
+              <a:rPr lang="zh-TW" altLang="en-US" sz="6400" b="1" dirty="0" smtClean="0">
+                <a:solidFill>
+                  <a:srgbClr val="FF0000"/>
+                </a:solidFill>
+                <a:latin typeface="標楷體" pitchFamily="65" charset="-120"/>
+                <a:ea typeface="標楷體" pitchFamily="65" charset="-120"/>
+              </a:rPr>
+              <a:t>個 做個 做個 做</a:t>
+            </a:r>
+            <a:r>
+              <a:rPr lang="zh-TW" altLang="en-US" sz="6400" b="1" dirty="0">
+                <a:solidFill>
+                  <a:srgbClr val="FF0000"/>
+                </a:solidFill>
+                <a:latin typeface="標楷體" pitchFamily="65" charset="-120"/>
+                <a:ea typeface="標楷體" pitchFamily="65" charset="-120"/>
+              </a:rPr>
+              <a:t>個好學生</a:t>
+            </a:r>
+          </a:p>
+          <a:p>
+            <a:pPr algn="ctr"/>
+            <a:r>
+              <a:rPr lang="zh-TW" altLang="en-US" sz="6400" b="1" dirty="0">
+                <a:solidFill>
+                  <a:srgbClr val="FF0000"/>
+                </a:solidFill>
+                <a:latin typeface="標楷體" pitchFamily="65" charset="-120"/>
+                <a:ea typeface="標楷體" pitchFamily="65" charset="-120"/>
+              </a:rPr>
+              <a:t>遵主旨意作快樂人</a:t>
+            </a:r>
+          </a:p>
+          <a:p>
+            <a:pPr algn="ctr"/>
+            <a:r>
+              <a:rPr lang="zh-TW" altLang="en-US" sz="6400" b="1" dirty="0">
+                <a:solidFill>
+                  <a:srgbClr val="FF0000"/>
+                </a:solidFill>
+                <a:latin typeface="標楷體" pitchFamily="65" charset="-120"/>
+                <a:ea typeface="標楷體" pitchFamily="65" charset="-120"/>
+              </a:rPr>
+              <a:t>完全奉獻 </a:t>
+            </a:r>
+            <a:r>
+              <a:rPr lang="zh-TW" altLang="en-US" sz="6400" b="1" dirty="0" smtClean="0">
+                <a:solidFill>
+                  <a:srgbClr val="FF0000"/>
+                </a:solidFill>
+                <a:latin typeface="標楷體" pitchFamily="65" charset="-120"/>
+                <a:ea typeface="標楷體" pitchFamily="65" charset="-120"/>
+              </a:rPr>
+              <a:t>步</a:t>
+            </a:r>
+            <a:r>
+              <a:rPr lang="zh-TW" altLang="en-US" sz="6400" b="1" dirty="0">
+                <a:solidFill>
+                  <a:srgbClr val="FF0000"/>
+                </a:solidFill>
+                <a:latin typeface="標楷體" pitchFamily="65" charset="-120"/>
+                <a:ea typeface="標楷體" pitchFamily="65" charset="-120"/>
+              </a:rPr>
+              <a:t>向永生</a:t>
+            </a:r>
+          </a:p>
+        </p:txBody>
+      </p:sp>
+      <p:sp>
+        <p:nvSpPr>
+          <p:cNvPr id="43011" name="矩形 2"/>
+          <p:cNvSpPr>
+            <a:spLocks noChangeArrowheads="1"/>
+          </p:cNvSpPr>
+          <p:nvPr/>
+        </p:nvSpPr>
+        <p:spPr bwMode="auto">
+          <a:xfrm>
+            <a:off x="-5768" y="164638"/>
+            <a:ext cx="12192000" cy="1025921"/>
+          </a:xfrm>
+          <a:prstGeom prst="rect">
+            <a:avLst/>
+          </a:prstGeom>
+          <a:noFill/>
+          <a:ln w="9525">
+            <a:noFill/>
+            <a:miter lim="800000"/>
+            <a:headEnd/>
+            <a:tailEnd/>
+          </a:ln>
+        </p:spPr>
+        <p:txBody>
+          <a:bodyPr wrap="square" lIns="121917" tIns="60958" rIns="121917" bIns="60958">
+            <a:spAutoFit/>
+          </a:bodyPr>
+          <a:lstStyle/>
+          <a:p>
+            <a:pPr algn="ctr"/>
+            <a:r>
+              <a:rPr lang="zh-TW" altLang="zh-TW" sz="5900" b="1" dirty="0" smtClean="0">
+                <a:solidFill>
+                  <a:srgbClr val="FF0000"/>
+                </a:solidFill>
+                <a:latin typeface="標楷體" pitchFamily="65" charset="-120"/>
+                <a:ea typeface="標楷體" pitchFamily="65" charset="-120"/>
+              </a:rPr>
+              <a:t>主日學</a:t>
+            </a:r>
+            <a:endParaRPr lang="zh-TW" altLang="en-US" sz="5900" b="1" dirty="0">
+              <a:solidFill>
+                <a:srgbClr val="FF0000"/>
+              </a:solidFill>
+              <a:latin typeface="標楷體" pitchFamily="65" charset="-120"/>
+              <a:ea typeface="標楷體" pitchFamily="65" charset="-120"/>
+            </a:endParaRPr>
+          </a:p>
+        </p:txBody>
+      </p:sp>
+    </p:spTree>
+    <p:extLst>
+      <p:ext uri="{BB962C8B-B14F-4D97-AF65-F5344CB8AC3E}">
+        <p14:creationId xmlns="" xmlns:p14="http://schemas.microsoft.com/office/powerpoint/2010/main" val="638720006"/>
+      </p:ext>
+    </p:extLst>
+  </p:cSld>
+  <p:clrMapOvr>
+    <a:masterClrMapping/>
+  </p:clrMapOvr>
+  <p:transition/>
+  <p:timing>
+    <p:tnLst>
+      <p:par>
+        <p:cTn id="1" dur="indefinite" restart="never" nodeType="tmRoot"/>
+      </p:par>
+    </p:tnLst>
+  </p:timing>
 </p:sld>
 </file>
 
@@ -4167,7 +4857,7 @@
   <a:extraClrSchemeLst/>
   <a:extLst>
     <a:ext uri="{05A4C25C-085E-4340-85A3-A5531E510DB2}">
-      <thm15:themeFamily xmlns:thm15="http://schemas.microsoft.com/office/thememl/2012/main" name="Theme1" id="{AFC7C034-021A-479F-A5B0-F4AE2AC2A6F8}" vid="{E4B01A5C-7C0B-4AB8-8973-047186F18E30}"/>
+      <thm15:themeFamily xmlns="" xmlns:thm15="http://schemas.microsoft.com/office/thememl/2012/main" name="Theme1" id="{AFC7C034-021A-479F-A5B0-F4AE2AC2A6F8}" vid="{E4B01A5C-7C0B-4AB8-8973-047186F18E30}"/>
     </a:ext>
   </a:extLst>
 </a:theme>
